--- a/_PowerPoints/1st Semester/Unit 2 Polynomials/PreCalc_Day_017 2.6 Rational Functions.pptx
+++ b/_PowerPoints/1st Semester/Unit 2 Polynomials/PreCalc_Day_017 2.6 Rational Functions.pptx
@@ -295,7 +295,7 @@
             <a:fld id="{87DE6118-2437-4B30-8E3C-4D2BE6020583}" type="datetimeFigureOut">
               <a:rPr lang="en-US" dirty="0"/>
               <a:pPr/>
-              <a:t>10/9/2017</a:t>
+              <a:t>10/17/2018</a:t>
             </a:fld>
             <a:endParaRPr lang="en-US" dirty="0"/>
           </a:p>
@@ -621,7 +621,7 @@
           <a:p>
             <a:fld id="{87DE6118-2437-4B30-8E3C-4D2BE6020583}" type="datetimeFigureOut">
               <a:rPr lang="en-US" dirty="0"/>
-              <a:t>10/9/2017</a:t>
+              <a:t>10/17/2018</a:t>
             </a:fld>
             <a:endParaRPr lang="en-US" dirty="0"/>
           </a:p>
@@ -796,7 +796,7 @@
           <a:p>
             <a:fld id="{87DE6118-2437-4B30-8E3C-4D2BE6020583}" type="datetimeFigureOut">
               <a:rPr lang="en-US" dirty="0"/>
-              <a:t>10/9/2017</a:t>
+              <a:t>10/17/2018</a:t>
             </a:fld>
             <a:endParaRPr lang="en-US" dirty="0"/>
           </a:p>
@@ -961,7 +961,7 @@
           <a:p>
             <a:fld id="{87DE6118-2437-4B30-8E3C-4D2BE6020583}" type="datetimeFigureOut">
               <a:rPr lang="en-US" dirty="0"/>
-              <a:t>10/9/2017</a:t>
+              <a:t>10/17/2018</a:t>
             </a:fld>
             <a:endParaRPr lang="en-US" dirty="0"/>
           </a:p>
@@ -1234,7 +1234,7 @@
             <a:fld id="{87DE6118-2437-4B30-8E3C-4D2BE6020583}" type="datetimeFigureOut">
               <a:rPr lang="en-US" dirty="0"/>
               <a:pPr/>
-              <a:t>10/9/2017</a:t>
+              <a:t>10/17/2018</a:t>
             </a:fld>
             <a:endParaRPr lang="en-US" dirty="0"/>
           </a:p>
@@ -1624,7 +1624,7 @@
           <a:p>
             <a:fld id="{87DE6118-2437-4B30-8E3C-4D2BE6020583}" type="datetimeFigureOut">
               <a:rPr lang="en-US" dirty="0"/>
-              <a:t>10/9/2017</a:t>
+              <a:t>10/17/2018</a:t>
             </a:fld>
             <a:endParaRPr lang="en-US" dirty="0"/>
           </a:p>
@@ -2096,7 +2096,7 @@
           <a:p>
             <a:fld id="{87DE6118-2437-4B30-8E3C-4D2BE6020583}" type="datetimeFigureOut">
               <a:rPr lang="en-US" dirty="0"/>
-              <a:t>10/9/2017</a:t>
+              <a:t>10/17/2018</a:t>
             </a:fld>
             <a:endParaRPr lang="en-US" dirty="0"/>
           </a:p>
@@ -2209,7 +2209,7 @@
           <a:p>
             <a:fld id="{87DE6118-2437-4B30-8E3C-4D2BE6020583}" type="datetimeFigureOut">
               <a:rPr lang="en-US" dirty="0"/>
-              <a:t>10/9/2017</a:t>
+              <a:t>10/17/2018</a:t>
             </a:fld>
             <a:endParaRPr lang="en-US" dirty="0"/>
           </a:p>
@@ -2299,7 +2299,7 @@
           <a:p>
             <a:fld id="{87DE6118-2437-4B30-8E3C-4D2BE6020583}" type="datetimeFigureOut">
               <a:rPr lang="en-US" dirty="0"/>
-              <a:t>10/9/2017</a:t>
+              <a:t>10/17/2018</a:t>
             </a:fld>
             <a:endParaRPr lang="en-US" dirty="0"/>
           </a:p>
@@ -2641,7 +2641,7 @@
             <a:fld id="{87DE6118-2437-4B30-8E3C-4D2BE6020583}" type="datetimeFigureOut">
               <a:rPr lang="en-US" dirty="0"/>
               <a:pPr/>
-              <a:t>10/9/2017</a:t>
+              <a:t>10/17/2018</a:t>
             </a:fld>
             <a:endParaRPr lang="en-US" dirty="0"/>
           </a:p>
@@ -3026,7 +3026,7 @@
             <a:fld id="{87DE6118-2437-4B30-8E3C-4D2BE6020583}" type="datetimeFigureOut">
               <a:rPr lang="en-US" dirty="0"/>
               <a:pPr/>
-              <a:t>10/9/2017</a:t>
+              <a:t>10/17/2018</a:t>
             </a:fld>
             <a:endParaRPr lang="en-US" dirty="0"/>
           </a:p>
@@ -3301,7 +3301,7 @@
             <a:fld id="{87DE6118-2437-4B30-8E3C-4D2BE6020583}" type="datetimeFigureOut">
               <a:rPr lang="en-US" dirty="0"/>
               <a:pPr/>
-              <a:t>10/9/2017</a:t>
+              <a:t>10/17/2018</a:t>
             </a:fld>
             <a:endParaRPr lang="en-US" dirty="0"/>
           </a:p>
@@ -4646,7 +4646,9 @@
         </p:nvSpPr>
         <p:spPr/>
         <p:txBody>
-          <a:bodyPr/>
+          <a:bodyPr>
+            <a:normAutofit lnSpcReduction="10000"/>
+          </a:bodyPr>
           <a:lstStyle/>
           <a:p>
             <a:r>
@@ -4663,8 +4665,29 @@
           <a:p>
             <a:r>
               <a:rPr lang="en-US" sz="3000" dirty="0"/>
-              <a:t>3) Use points and asymptotes to draw branches</a:t>
-            </a:r>
+              <a:t>3) Use points and asymptotes to draw </a:t>
+            </a:r>
+            <a:r>
+              <a:rPr lang="en-US" sz="3000" dirty="0" smtClean="0"/>
+              <a:t>branches</a:t>
+            </a:r>
+          </a:p>
+          <a:p>
+            <a:endParaRPr lang="en-US" sz="3000" dirty="0"/>
+          </a:p>
+          <a:p>
+            <a:endParaRPr lang="en-US" sz="3000" dirty="0" smtClean="0"/>
+          </a:p>
+          <a:p>
+            <a:r>
+              <a:rPr lang="en-US" sz="3000" dirty="0" smtClean="0"/>
+              <a:t>**Or just use </a:t>
+            </a:r>
+            <a:r>
+              <a:rPr lang="en-US" sz="3000" smtClean="0"/>
+              <a:t>the calculator PLEASE!</a:t>
+            </a:r>
+            <a:endParaRPr lang="en-US" sz="3000" dirty="0"/>
           </a:p>
           <a:p>
             <a:pPr marL="0" indent="0">
@@ -5230,8 +5253,8 @@
           </a:p>
         </p:txBody>
       </p:sp>
-      <mc:AlternateContent xmlns:mc="http://schemas.openxmlformats.org/markup-compatibility/2006">
-        <mc:Choice xmlns:a14="http://schemas.microsoft.com/office/drawing/2010/main" Requires="a14">
+      <mc:AlternateContent xmlns:mc="http://schemas.openxmlformats.org/markup-compatibility/2006" xmlns:a14="http://schemas.microsoft.com/office/drawing/2010/main">
+        <mc:Choice Requires="a14">
           <p:sp>
             <p:nvSpPr>
               <p:cNvPr id="3" name="Content Placeholder 2"/>
@@ -5382,96 +5405,6 @@
                       <a:rPr lang="en-US" sz="3000" i="1">
                         <a:latin typeface="Cambria Math" panose="02040503050406030204" pitchFamily="18" charset="0"/>
                       </a:rPr>
-                      <m:t>𝑔</m:t>
-                    </m:r>
-                    <m:d>
-                      <m:dPr>
-                        <m:ctrlPr>
-                          <a:rPr lang="en-US" sz="3000" i="1">
-                            <a:latin typeface="Cambria Math" panose="02040503050406030204" pitchFamily="18" charset="0"/>
-                          </a:rPr>
-                        </m:ctrlPr>
-                      </m:dPr>
-                      <m:e>
-                        <m:r>
-                          <a:rPr lang="en-US" sz="3000" i="1">
-                            <a:latin typeface="Cambria Math" panose="02040503050406030204" pitchFamily="18" charset="0"/>
-                          </a:rPr>
-                          <m:t>𝑥</m:t>
-                        </m:r>
-                      </m:e>
-                    </m:d>
-                    <m:r>
-                      <a:rPr lang="en-US" sz="3000" i="1">
-                        <a:latin typeface="Cambria Math" panose="02040503050406030204" pitchFamily="18" charset="0"/>
-                      </a:rPr>
-                      <m:t>=2</m:t>
-                    </m:r>
-                    <m:sSup>
-                      <m:sSupPr>
-                        <m:ctrlPr>
-                          <a:rPr lang="en-US" sz="3000" i="1">
-                            <a:latin typeface="Cambria Math" panose="02040503050406030204" pitchFamily="18" charset="0"/>
-                          </a:rPr>
-                        </m:ctrlPr>
-                      </m:sSupPr>
-                      <m:e>
-                        <m:r>
-                          <a:rPr lang="en-US" sz="3000" i="1">
-                            <a:latin typeface="Cambria Math" panose="02040503050406030204" pitchFamily="18" charset="0"/>
-                          </a:rPr>
-                          <m:t>𝑥</m:t>
-                        </m:r>
-                      </m:e>
-                      <m:sup>
-                        <m:r>
-                          <a:rPr lang="en-US" sz="3000" i="1">
-                            <a:latin typeface="Cambria Math" panose="02040503050406030204" pitchFamily="18" charset="0"/>
-                          </a:rPr>
-                          <m:t>2</m:t>
-                        </m:r>
-                      </m:sup>
-                    </m:sSup>
-                    <m:r>
-                      <a:rPr lang="en-US" sz="3000" i="1">
-                        <a:latin typeface="Cambria Math" panose="02040503050406030204" pitchFamily="18" charset="0"/>
-                      </a:rPr>
-                      <m:t>−16</m:t>
-                    </m:r>
-                    <m:r>
-                      <a:rPr lang="en-US" sz="3000" i="1">
-                        <a:latin typeface="Cambria Math" panose="02040503050406030204" pitchFamily="18" charset="0"/>
-                      </a:rPr>
-                      <m:t>𝑥</m:t>
-                    </m:r>
-                    <m:r>
-                      <a:rPr lang="en-US" sz="3000" i="1">
-                        <a:latin typeface="Cambria Math" panose="02040503050406030204" pitchFamily="18" charset="0"/>
-                      </a:rPr>
-                      <m:t>+31</m:t>
-                    </m:r>
-                  </m:oMath>
-                </a14:m>
-                <a:endParaRPr lang="en-US" sz="3000" dirty="0"/>
-              </a:p>
-              <a:p>
-                <a:pPr marL="0" lvl="0" indent="0">
-                  <a:buNone/>
-                </a:pPr>
-                <a:r>
-                  <a:rPr lang="en-US" sz="3000" dirty="0"/>
-                  <a:t>3.</a:t>
-                </a:r>
-                <a:r>
-                  <a:rPr lang="en-US" sz="3000" dirty="0" smtClean="0"/>
-                  <a:t>) </a:t>
-                </a:r>
-                <a14:m>
-                  <m:oMath xmlns:m="http://schemas.openxmlformats.org/officeDocument/2006/math">
-                    <m:r>
-                      <a:rPr lang="en-US" sz="3000" i="1">
-                        <a:latin typeface="Cambria Math" panose="02040503050406030204" pitchFamily="18" charset="0"/>
-                      </a:rPr>
                       <m:t>h</m:t>
                     </m:r>
                     <m:d>
@@ -5572,7 +5505,7 @@
             </p:txBody>
           </p:sp>
         </mc:Choice>
-        <mc:Fallback>
+        <mc:Fallback xmlns="">
           <p:sp>
             <p:nvSpPr>
               <p:cNvPr id="3" name="Content Placeholder 2"/>
@@ -5677,8 +5610,8 @@
           </a:p>
         </p:txBody>
       </p:sp>
-      <mc:AlternateContent xmlns:mc="http://schemas.openxmlformats.org/markup-compatibility/2006">
-        <mc:Choice xmlns:a14="http://schemas.microsoft.com/office/drawing/2010/main" Requires="a14">
+      <mc:AlternateContent xmlns:mc="http://schemas.openxmlformats.org/markup-compatibility/2006" xmlns:a14="http://schemas.microsoft.com/office/drawing/2010/main">
+        <mc:Choice Requires="a14">
           <p:sp>
             <p:nvSpPr>
               <p:cNvPr id="3" name="Content Placeholder 2"/>
@@ -5699,15 +5632,7 @@
                 </a:pPr>
                 <a:r>
                   <a:rPr lang="en-US" sz="3000" u="sng" dirty="0" smtClean="0"/>
-                  <a:t>Find </a:t>
-                </a:r>
-                <a:r>
-                  <a:rPr lang="en-US" sz="3000" u="sng" dirty="0" smtClean="0"/>
-                  <a:t>all Zeros</a:t>
-                </a:r>
-                <a:r>
-                  <a:rPr lang="en-US" sz="3000" u="sng" dirty="0" smtClean="0"/>
-                  <a:t>.</a:t>
+                  <a:t>Find all Zeros.</a:t>
                 </a:r>
               </a:p>
               <a:p>
@@ -5730,7 +5655,7 @@
                         <a:rPr lang="en-US" sz="3000" i="1">
                           <a:latin typeface="Cambria Math" panose="02040503050406030204" pitchFamily="18" charset="0"/>
                         </a:rPr>
-                        <m:t>4.) </m:t>
+                        <m:t>3.) </m:t>
                       </m:r>
                       <m:r>
                         <a:rPr lang="en-US" sz="3000" i="1">
@@ -5854,7 +5779,7 @@
                         <a:rPr lang="en-US" sz="3000" i="1">
                           <a:latin typeface="Cambria Math" panose="02040503050406030204" pitchFamily="18" charset="0"/>
                         </a:rPr>
-                        <m:t>5.) </m:t>
+                        <m:t>4.) </m:t>
                       </m:r>
                       <m:r>
                         <a:rPr lang="en-US" sz="3000" i="1">
@@ -5951,7 +5876,7 @@
             </p:txBody>
           </p:sp>
         </mc:Choice>
-        <mc:Fallback>
+        <mc:Fallback xmlns="">
           <p:sp>
             <p:nvSpPr>
               <p:cNvPr id="3" name="Content Placeholder 2"/>
@@ -6089,8 +6014,12 @@
                   <a:buNone/>
                 </a:pPr>
                 <a:r>
+                  <a:rPr lang="en-US" sz="3000" dirty="0"/>
+                  <a:t>5</a:t>
+                </a:r>
+                <a:r>
                   <a:rPr lang="en-US" sz="3000" dirty="0" smtClean="0"/>
-                  <a:t>6.) The path of a diver jumping into a pool is given by the following equation: </a:t>
+                  <a:t>.) The path of a diver jumping into a pool is given by the following equation: </a:t>
                 </a:r>
               </a:p>
               <a:p>
@@ -6542,7 +6471,7 @@
         <p:spPr>
           <a:xfrm>
             <a:off x="1371600" y="1823291"/>
-            <a:ext cx="9601200" cy="3573167"/>
+            <a:ext cx="9601200" cy="4693623"/>
           </a:xfrm>
         </p:spPr>
         <p:txBody>
@@ -6564,8 +6493,29 @@
             </a:br>
             <a:r>
               <a:rPr lang="en-US" sz="3300" dirty="0"/>
-              <a:t>To graph rational functions and state domain</a:t>
-            </a:r>
+              <a:t>To graph rational functions and state </a:t>
+            </a:r>
+            <a:r>
+              <a:rPr lang="en-US" sz="3300" dirty="0" smtClean="0"/>
+              <a:t>domain</a:t>
+            </a:r>
+          </a:p>
+          <a:p>
+            <a:endParaRPr lang="en-US" sz="3300" dirty="0"/>
+          </a:p>
+          <a:p>
+            <a:endParaRPr lang="en-US" sz="3300" dirty="0" smtClean="0"/>
+          </a:p>
+          <a:p>
+            <a:r>
+              <a:rPr lang="en-US" sz="3300" b="1" dirty="0" smtClean="0"/>
+              <a:t>HLQ</a:t>
+            </a:r>
+            <a:r>
+              <a:rPr lang="en-US" sz="3300" dirty="0" smtClean="0"/>
+              <a:t>: What are the similarities and differences between a hole and a vertical asymptote? What impact does this have on our domain? </a:t>
+            </a:r>
+            <a:endParaRPr lang="en-US" sz="3300" dirty="0"/>
           </a:p>
         </p:txBody>
       </p:sp>
@@ -6893,7 +6843,7 @@
           <a:graphicData uri="http://schemas.openxmlformats.org/presentationml/2006/ole">
             <mc:AlternateContent xmlns:mc="http://schemas.openxmlformats.org/markup-compatibility/2006">
               <mc:Choice xmlns:v="urn:schemas-microsoft-com:vml" Requires="v">
-                <p:oleObj spid="_x0000_s1038" r:id="rId4" imgW="673100" imgH="393700" progId="Equation.DSMT4">
+                <p:oleObj spid="_x0000_s1042" r:id="rId4" imgW="673100" imgH="393700" progId="Equation.DSMT4">
                   <p:embed/>
                 </p:oleObj>
               </mc:Choice>
